--- a/finalyy/flappy_bird_presentation_updated.pptx
+++ b/finalyy/flappy_bird_presentation_updated.pptx
@@ -316,7 +316,7 @@
           <a:p>
             <a:fld id="{5BCAD085-E8A6-8845-BD4E-CB4CCA059FC4}" type="datetimeFigureOut">
               <a:rPr lang="en-US" smtClean="0"/>
-              <a:t>5/20/2025</a:t>
+              <a:t>5/26/2025</a:t>
             </a:fld>
             <a:endParaRPr lang="en-US"/>
           </a:p>
@@ -484,7 +484,7 @@
           <a:p>
             <a:fld id="{5BCAD085-E8A6-8845-BD4E-CB4CCA059FC4}" type="datetimeFigureOut">
               <a:rPr lang="en-US" smtClean="0"/>
-              <a:t>5/20/2025</a:t>
+              <a:t>5/26/2025</a:t>
             </a:fld>
             <a:endParaRPr lang="en-US"/>
           </a:p>
@@ -662,7 +662,7 @@
           <a:p>
             <a:fld id="{5BCAD085-E8A6-8845-BD4E-CB4CCA059FC4}" type="datetimeFigureOut">
               <a:rPr lang="en-US" smtClean="0"/>
-              <a:t>5/20/2025</a:t>
+              <a:t>5/26/2025</a:t>
             </a:fld>
             <a:endParaRPr lang="en-US"/>
           </a:p>
@@ -830,7 +830,7 @@
           <a:p>
             <a:fld id="{5BCAD085-E8A6-8845-BD4E-CB4CCA059FC4}" type="datetimeFigureOut">
               <a:rPr lang="en-US" smtClean="0"/>
-              <a:t>5/20/2025</a:t>
+              <a:t>5/26/2025</a:t>
             </a:fld>
             <a:endParaRPr lang="en-US"/>
           </a:p>
@@ -1075,7 +1075,7 @@
           <a:p>
             <a:fld id="{5BCAD085-E8A6-8845-BD4E-CB4CCA059FC4}" type="datetimeFigureOut">
               <a:rPr lang="en-US" smtClean="0"/>
-              <a:t>5/20/2025</a:t>
+              <a:t>5/26/2025</a:t>
             </a:fld>
             <a:endParaRPr lang="en-US"/>
           </a:p>
@@ -1360,7 +1360,7 @@
           <a:p>
             <a:fld id="{5BCAD085-E8A6-8845-BD4E-CB4CCA059FC4}" type="datetimeFigureOut">
               <a:rPr lang="en-US" smtClean="0"/>
-              <a:t>5/20/2025</a:t>
+              <a:t>5/26/2025</a:t>
             </a:fld>
             <a:endParaRPr lang="en-US"/>
           </a:p>
@@ -1779,7 +1779,7 @@
           <a:p>
             <a:fld id="{5BCAD085-E8A6-8845-BD4E-CB4CCA059FC4}" type="datetimeFigureOut">
               <a:rPr lang="en-US" smtClean="0"/>
-              <a:t>5/20/2025</a:t>
+              <a:t>5/26/2025</a:t>
             </a:fld>
             <a:endParaRPr lang="en-US"/>
           </a:p>
@@ -1896,7 +1896,7 @@
           <a:p>
             <a:fld id="{5BCAD085-E8A6-8845-BD4E-CB4CCA059FC4}" type="datetimeFigureOut">
               <a:rPr lang="en-US" smtClean="0"/>
-              <a:t>5/20/2025</a:t>
+              <a:t>5/26/2025</a:t>
             </a:fld>
             <a:endParaRPr lang="en-US"/>
           </a:p>
@@ -1991,7 +1991,7 @@
           <a:p>
             <a:fld id="{5BCAD085-E8A6-8845-BD4E-CB4CCA059FC4}" type="datetimeFigureOut">
               <a:rPr lang="en-US" smtClean="0"/>
-              <a:t>5/20/2025</a:t>
+              <a:t>5/26/2025</a:t>
             </a:fld>
             <a:endParaRPr lang="en-US"/>
           </a:p>
@@ -2266,7 +2266,7 @@
           <a:p>
             <a:fld id="{5BCAD085-E8A6-8845-BD4E-CB4CCA059FC4}" type="datetimeFigureOut">
               <a:rPr lang="en-US" smtClean="0"/>
-              <a:t>5/20/2025</a:t>
+              <a:t>5/26/2025</a:t>
             </a:fld>
             <a:endParaRPr lang="en-US"/>
           </a:p>
@@ -2518,7 +2518,7 @@
           <a:p>
             <a:fld id="{5BCAD085-E8A6-8845-BD4E-CB4CCA059FC4}" type="datetimeFigureOut">
               <a:rPr lang="en-US" smtClean="0"/>
-              <a:t>5/20/2025</a:t>
+              <a:t>5/26/2025</a:t>
             </a:fld>
             <a:endParaRPr lang="en-US"/>
           </a:p>
@@ -2729,7 +2729,7 @@
           <a:p>
             <a:fld id="{5BCAD085-E8A6-8845-BD4E-CB4CCA059FC4}" type="datetimeFigureOut">
               <a:rPr lang="en-US" smtClean="0"/>
-              <a:t>5/20/2025</a:t>
+              <a:t>5/26/2025</a:t>
             </a:fld>
             <a:endParaRPr lang="en-US"/>
           </a:p>
@@ -3191,8 +3191,8 @@
         </p:nvSpPr>
         <p:spPr>
           <a:xfrm>
-            <a:off x="914400" y="2743200"/>
-            <a:ext cx="7315200" cy="1828800"/>
+            <a:off x="537081" y="2743200"/>
+            <a:ext cx="8069838" cy="830997"/>
           </a:xfrm>
           <a:prstGeom prst="rect">
             <a:avLst/>
@@ -3207,7 +3207,7 @@
           <a:p>
             <a:pPr algn="ctr"/>
             <a:r>
-              <a:rPr sz="3200">
+              <a:rPr sz="2400" dirty="0">
                 <a:solidFill>
                   <a:srgbClr val="000000"/>
                 </a:solidFill>
@@ -3219,7 +3219,7 @@
           <a:p>
             <a:pPr algn="ctr"/>
             <a:r>
-              <a:rPr sz="3200">
+              <a:rPr sz="2400" dirty="0">
                 <a:solidFill>
                   <a:srgbClr val="000000"/>
                 </a:solidFill>
